--- a/Divers/Weber_Hugo_Olivier_CDA_Projet_Sondage.pptx
+++ b/Divers/Weber_Hugo_Olivier_CDA_Projet_Sondage.pptx
@@ -14,8 +14,8 @@
     <p:sldId id="265" r:id="rId5"/>
     <p:sldId id="263" r:id="rId6"/>
     <p:sldId id="266" r:id="rId7"/>
-    <p:sldId id="267" r:id="rId8"/>
-    <p:sldId id="268" r:id="rId9"/>
+    <p:sldId id="268" r:id="rId8"/>
+    <p:sldId id="267" r:id="rId9"/>
     <p:sldId id="264" r:id="rId10"/>
     <p:sldId id="262" r:id="rId11"/>
     <p:sldId id="261" r:id="rId12"/>
@@ -209,7 +209,7 @@
           <a:p>
             <a:fld id="{59F6A44F-5CF8-4919-A4B3-9011B04F01AC}" type="datetimeFigureOut">
               <a:rPr lang="fr-FR" smtClean="0"/>
-              <a:t>08/01/2022</a:t>
+              <a:t>09/01/2022</a:t>
             </a:fld>
             <a:endParaRPr lang="fr-FR"/>
           </a:p>
@@ -666,7 +666,7 @@
           <a:p>
             <a:fld id="{EC8BA0D9-85E1-4AD5-9967-5DB0B7ABC13D}" type="datetime1">
               <a:rPr lang="fr-FR" smtClean="0"/>
-              <a:t>08/01/2022</a:t>
+              <a:t>09/01/2022</a:t>
             </a:fld>
             <a:endParaRPr lang="fr-FR"/>
           </a:p>
@@ -871,7 +871,7 @@
           <a:p>
             <a:fld id="{10C01C54-9C6D-4AE0-AA67-6B3B2A8ACAAD}" type="datetime1">
               <a:rPr lang="fr-FR" smtClean="0"/>
-              <a:t>08/01/2022</a:t>
+              <a:t>09/01/2022</a:t>
             </a:fld>
             <a:endParaRPr lang="fr-FR"/>
           </a:p>
@@ -1051,7 +1051,7 @@
           <a:p>
             <a:fld id="{2C883D0B-03FD-468A-B56A-D5AA0E3E823F}" type="datetime1">
               <a:rPr lang="fr-FR" smtClean="0"/>
-              <a:t>08/01/2022</a:t>
+              <a:t>09/01/2022</a:t>
             </a:fld>
             <a:endParaRPr lang="fr-FR"/>
           </a:p>
@@ -1256,7 +1256,7 @@
           <a:p>
             <a:fld id="{FA5D4740-173A-4A75-8491-AD3D805FEA0C}" type="datetime1">
               <a:rPr lang="fr-FR" smtClean="0"/>
-              <a:t>08/01/2022</a:t>
+              <a:t>09/01/2022</a:t>
             </a:fld>
             <a:endParaRPr lang="fr-FR"/>
           </a:p>
@@ -1551,7 +1551,7 @@
           <a:p>
             <a:fld id="{870DBD6C-FB2A-4803-AF23-2174C1AC8169}" type="datetime1">
               <a:rPr lang="fr-FR" smtClean="0"/>
-              <a:t>08/01/2022</a:t>
+              <a:t>09/01/2022</a:t>
             </a:fld>
             <a:endParaRPr lang="fr-FR"/>
           </a:p>
@@ -1823,7 +1823,7 @@
           <a:p>
             <a:fld id="{7F116FDE-893B-4F85-A56C-B3730D0A613B}" type="datetime1">
               <a:rPr lang="fr-FR" smtClean="0"/>
-              <a:t>08/01/2022</a:t>
+              <a:t>09/01/2022</a:t>
             </a:fld>
             <a:endParaRPr lang="fr-FR"/>
           </a:p>
@@ -2230,7 +2230,7 @@
           <a:p>
             <a:fld id="{7E196BED-0A0E-4FD7-98DA-3F2C80509271}" type="datetime1">
               <a:rPr lang="fr-FR" smtClean="0"/>
-              <a:t>08/01/2022</a:t>
+              <a:t>09/01/2022</a:t>
             </a:fld>
             <a:endParaRPr lang="fr-FR"/>
           </a:p>
@@ -2348,7 +2348,7 @@
           <a:p>
             <a:fld id="{FCE2CD60-926C-46C6-A946-D5BB1A28F534}" type="datetime1">
               <a:rPr lang="fr-FR" smtClean="0"/>
-              <a:t>08/01/2022</a:t>
+              <a:t>09/01/2022</a:t>
             </a:fld>
             <a:endParaRPr lang="fr-FR"/>
           </a:p>
@@ -2443,7 +2443,7 @@
           <a:p>
             <a:fld id="{EED31A44-F4C4-445F-93C4-7AAA17787691}" type="datetime1">
               <a:rPr lang="fr-FR" smtClean="0"/>
-              <a:t>08/01/2022</a:t>
+              <a:t>09/01/2022</a:t>
             </a:fld>
             <a:endParaRPr lang="fr-FR"/>
           </a:p>
@@ -2733,7 +2733,7 @@
           <a:p>
             <a:fld id="{6536E0E7-BB54-434D-B8F0-442CD4890C86}" type="datetime1">
               <a:rPr lang="fr-FR" smtClean="0"/>
-              <a:t>08/01/2022</a:t>
+              <a:t>09/01/2022</a:t>
             </a:fld>
             <a:endParaRPr lang="fr-FR"/>
           </a:p>
@@ -3013,7 +3013,7 @@
           <a:p>
             <a:fld id="{6211D0C4-5DD2-4DDF-8A3B-3A01F88371D8}" type="datetime1">
               <a:rPr lang="fr-FR" smtClean="0"/>
-              <a:t>08/01/2022</a:t>
+              <a:t>09/01/2022</a:t>
             </a:fld>
             <a:endParaRPr lang="fr-FR"/>
           </a:p>
@@ -3263,7 +3263,7 @@
           <a:p>
             <a:fld id="{55B4621A-7495-4F05-87A7-370612BC3D53}" type="datetime1">
               <a:rPr lang="fr-FR" smtClean="0"/>
-              <a:t>08/01/2022</a:t>
+              <a:t>09/01/2022</a:t>
             </a:fld>
             <a:endParaRPr lang="fr-FR"/>
           </a:p>
@@ -3784,17 +3784,27 @@
         </p:nvSpPr>
         <p:spPr>
           <a:xfrm>
-            <a:off x="-443346" y="1965960"/>
-            <a:ext cx="7772400" cy="1463040"/>
+            <a:off x="381000" y="1965959"/>
+            <a:ext cx="8229600" cy="1700877"/>
           </a:xfrm>
         </p:spPr>
         <p:txBody>
-          <a:bodyPr/>
-          <a:lstStyle/>
-          <a:p>
+          <a:bodyPr>
+            <a:normAutofit fontScale="90000"/>
+          </a:bodyPr>
+          <a:lstStyle/>
+          <a:p>
+            <a:pPr algn="l"/>
             <a:r>
               <a:rPr lang="fr-FR" dirty="0"/>
-              <a:t>Projet ASP Net : Mise en place d’un site de sondage</a:t>
+              <a:t>Projet ASP Net : Mise en place</a:t>
+            </a:r>
+            <a:br>
+              <a:rPr lang="fr-FR" dirty="0"/>
+            </a:br>
+            <a:r>
+              <a:rPr lang="fr-FR" dirty="0"/>
+              <a:t>                	     d’un site de sondage</a:t>
             </a:r>
           </a:p>
         </p:txBody>
@@ -4012,7 +4022,7 @@
             </a:pPr>
             <a:r>
               <a:rPr lang="fr-FR" dirty="0"/>
-              <a:t> Travail d’équipe efficace</a:t>
+              <a:t> Travail d’équipe efficace, complémentaire et agréable</a:t>
             </a:r>
           </a:p>
         </p:txBody>
@@ -4154,7 +4164,7 @@
             </a:pPr>
             <a:r>
               <a:rPr lang="fr-FR" dirty="0"/>
-              <a:t> Implémentation de toute les mécaniques de bases</a:t>
+              <a:t> Implémentation de toute les mécaniques de base</a:t>
             </a:r>
           </a:p>
           <a:p>
@@ -4277,39 +4287,51 @@
         </p:nvSpPr>
         <p:spPr>
           <a:xfrm>
-            <a:off x="1024128" y="2286000"/>
-            <a:ext cx="9720071" cy="2138218"/>
+            <a:off x="1745719" y="2359891"/>
+            <a:ext cx="8276890" cy="2138218"/>
           </a:xfrm>
         </p:spPr>
         <p:txBody>
           <a:bodyPr/>
           <a:lstStyle/>
           <a:p>
-            <a:pPr algn="ctr"/>
+            <a:pPr>
+              <a:buFont typeface="Wingdings" panose="05000000000000000000" pitchFamily="2" charset="2"/>
+              <a:buChar char="v"/>
+            </a:pPr>
             <a:r>
               <a:rPr lang="fr-FR" dirty="0"/>
-              <a:t>Bonne introduction sur une technologie très intéressante</a:t>
-            </a:r>
-          </a:p>
-          <a:p>
-            <a:pPr algn="ctr"/>
+              <a:t> Bonne introduction sur une technologie très intéressante</a:t>
+            </a:r>
+          </a:p>
+          <a:p>
+            <a:pPr>
+              <a:buFont typeface="Wingdings" panose="05000000000000000000" pitchFamily="2" charset="2"/>
+              <a:buChar char="v"/>
+            </a:pPr>
             <a:r>
               <a:rPr lang="fr-FR" dirty="0"/>
-              <a:t>Projet complet forçant à tester et faire à se documenter</a:t>
-            </a:r>
-          </a:p>
-          <a:p>
-            <a:pPr algn="ctr"/>
+              <a:t> Projet complet forçant à tester et à se documenter</a:t>
+            </a:r>
+          </a:p>
+          <a:p>
+            <a:pPr>
+              <a:buFont typeface="Wingdings" panose="05000000000000000000" pitchFamily="2" charset="2"/>
+              <a:buChar char="v"/>
+            </a:pPr>
             <a:r>
               <a:rPr lang="fr-FR" dirty="0"/>
-              <a:t>Bon moyen pour développer notre capacités à travailler en groupe</a:t>
-            </a:r>
-          </a:p>
-          <a:p>
-            <a:pPr algn="ctr"/>
+              <a:t> Bon moyen pour développer notre capacités à travailler en groupe</a:t>
+            </a:r>
+          </a:p>
+          <a:p>
+            <a:pPr>
+              <a:buFont typeface="Wingdings" panose="05000000000000000000" pitchFamily="2" charset="2"/>
+              <a:buChar char="v"/>
+            </a:pPr>
             <a:r>
               <a:rPr lang="fr-FR" dirty="0"/>
-              <a:t>Comment pourrait-on l’améliorer</a:t>
+              <a:t> Comment pourrait-on l’améliorer ?</a:t>
             </a:r>
           </a:p>
         </p:txBody>
@@ -4721,7 +4743,7 @@
             </a:pPr>
             <a:r>
               <a:rPr lang="fr-FR" dirty="0"/>
-              <a:t>Difficultés rencontrés</a:t>
+              <a:t>Difficultés rencontrées</a:t>
             </a:r>
           </a:p>
           <a:p>
@@ -4865,7 +4887,7 @@
             <a:pPr algn="ctr"/>
             <a:r>
               <a:rPr lang="fr-FR" dirty="0"/>
-              <a:t>… ravi de pouvoir montrer leur compétences</a:t>
+              <a:t>… ravi de pouvoir montrer leurs compétences</a:t>
             </a:r>
           </a:p>
         </p:txBody>
@@ -5285,7 +5307,7 @@
         </p:spPr>
         <p:txBody>
           <a:bodyPr>
-            <a:normAutofit/>
+            <a:noAutofit/>
           </a:bodyPr>
           <a:lstStyle/>
           <a:p>
@@ -5295,7 +5317,7 @@
               </a:spcAft>
             </a:pPr>
             <a:fld id="{4C2ABFA0-04AC-4694-8AA8-E65B42D4AFEB}" type="slidenum">
-              <a:rPr lang="fr-FR" smtClean="0"/>
+              <a:rPr lang="fr-FR" sz="2000" smtClean="0"/>
               <a:pPr>
                 <a:spcAft>
                   <a:spcPts val="600"/>
@@ -5303,7 +5325,7 @@
               </a:pPr>
               <a:t>4</a:t>
             </a:fld>
-            <a:endParaRPr lang="fr-FR"/>
+            <a:endParaRPr lang="fr-FR" sz="2000" dirty="0"/>
           </a:p>
         </p:txBody>
       </p:sp>
@@ -5596,7 +5618,7 @@
             <p:ph idx="1"/>
             <p:extLst>
               <p:ext uri="{D42A27DB-BD31-4B8C-83A1-F6EECF244321}">
-                <p14:modId xmlns:p14="http://schemas.microsoft.com/office/powerpoint/2010/main" val="1769183074"/>
+                <p14:modId xmlns:p14="http://schemas.microsoft.com/office/powerpoint/2010/main" val="1379852818"/>
               </p:ext>
             </p:extLst>
           </p:nvPr>
@@ -5750,7 +5772,7 @@
                     <a:p>
                       <a:r>
                         <a:rPr lang="fr-FR" dirty="0"/>
-                        <a:t>Interface utilisateurs</a:t>
+                        <a:t>Interface utilisateur</a:t>
                       </a:r>
                     </a:p>
                   </a:txBody>
@@ -5852,7 +5874,7 @@
                     <a:p>
                       <a:r>
                         <a:rPr lang="fr-FR" dirty="0"/>
-                        <a:t>Accéder au résultats</a:t>
+                        <a:t>Accéder aux résultats</a:t>
                       </a:r>
                     </a:p>
                   </a:txBody>
@@ -5880,7 +5902,10 @@
                     <a:bodyPr/>
                     <a:lstStyle/>
                     <a:p>
-                      <a:endParaRPr lang="fr-FR"/>
+                      <a:r>
+                        <a:rPr lang="fr-FR" dirty="0"/>
+                        <a:t>Interface de communication</a:t>
+                      </a:r>
                     </a:p>
                   </a:txBody>
                   <a:tcPr/>
@@ -6292,7 +6317,7 @@
             </a:pPr>
             <a:r>
               <a:rPr lang="fr-FR" dirty="0"/>
-              <a:t>Séance de travail en groupe tout les samedi</a:t>
+              <a:t>Séance de travail en groupe tout les samedis</a:t>
             </a:r>
           </a:p>
           <a:p>
@@ -6499,6 +6524,158 @@
       </p:sp>
       <p:pic>
         <p:nvPicPr>
+          <p:cNvPr id="5" name="Image 4">
+            <a:extLst>
+              <a:ext uri="{FF2B5EF4-FFF2-40B4-BE49-F238E27FC236}">
+                <a16:creationId xmlns:a16="http://schemas.microsoft.com/office/drawing/2014/main" id="{A42BFBA6-4CDA-4DC9-9077-2944A83350FC}"/>
+              </a:ext>
+            </a:extLst>
+          </p:cNvPr>
+          <p:cNvPicPr>
+            <a:picLocks noChangeAspect="1"/>
+          </p:cNvPicPr>
+          <p:nvPr/>
+        </p:nvPicPr>
+        <p:blipFill>
+          <a:blip r:embed="rId2"/>
+          <a:stretch>
+            <a:fillRect/>
+          </a:stretch>
+        </p:blipFill>
+        <p:spPr>
+          <a:xfrm>
+            <a:off x="2260900" y="2062373"/>
+            <a:ext cx="7670200" cy="3775177"/>
+          </a:xfrm>
+          <a:prstGeom prst="rect">
+            <a:avLst/>
+          </a:prstGeom>
+        </p:spPr>
+      </p:pic>
+      <p:sp>
+        <p:nvSpPr>
+          <p:cNvPr id="8" name="ZoneTexte 7">
+            <a:extLst>
+              <a:ext uri="{FF2B5EF4-FFF2-40B4-BE49-F238E27FC236}">
+                <a16:creationId xmlns:a16="http://schemas.microsoft.com/office/drawing/2014/main" id="{E2D6AFDC-ECA2-4085-9F02-19CCFE56C30B}"/>
+              </a:ext>
+            </a:extLst>
+          </p:cNvPr>
+          <p:cNvSpPr txBox="1"/>
+          <p:nvPr/>
+        </p:nvSpPr>
+        <p:spPr>
+          <a:xfrm>
+            <a:off x="4761345" y="5903452"/>
+            <a:ext cx="2669309" cy="369332"/>
+          </a:xfrm>
+          <a:prstGeom prst="rect">
+            <a:avLst/>
+          </a:prstGeom>
+          <a:noFill/>
+        </p:spPr>
+        <p:txBody>
+          <a:bodyPr wrap="square" rtlCol="0">
+            <a:spAutoFit/>
+          </a:bodyPr>
+          <a:lstStyle/>
+          <a:p>
+            <a:r>
+              <a:rPr lang="fr-FR" dirty="0"/>
+              <a:t>Page Manuel d’utilisation</a:t>
+            </a:r>
+          </a:p>
+        </p:txBody>
+      </p:sp>
+    </p:spTree>
+    <p:extLst>
+      <p:ext uri="{BB962C8B-B14F-4D97-AF65-F5344CB8AC3E}">
+        <p14:creationId xmlns:p14="http://schemas.microsoft.com/office/powerpoint/2010/main" val="1334748581"/>
+      </p:ext>
+    </p:extLst>
+  </p:cSld>
+  <p:clrMapOvr>
+    <a:masterClrMapping/>
+  </p:clrMapOvr>
+</p:sld>
+</file>
+
+<file path=ppt/slides/slide8.xml><?xml version="1.0" encoding="utf-8"?>
+<p:sld xmlns:a="http://schemas.openxmlformats.org/drawingml/2006/main" xmlns:r="http://schemas.openxmlformats.org/officeDocument/2006/relationships" xmlns:p="http://schemas.openxmlformats.org/presentationml/2006/main">
+  <p:cSld>
+    <p:spTree>
+      <p:nvGrpSpPr>
+        <p:cNvPr id="1" name=""/>
+        <p:cNvGrpSpPr/>
+        <p:nvPr/>
+      </p:nvGrpSpPr>
+      <p:grpSpPr>
+        <a:xfrm>
+          <a:off x="0" y="0"/>
+          <a:ext cx="0" cy="0"/>
+          <a:chOff x="0" y="0"/>
+          <a:chExt cx="0" cy="0"/>
+        </a:xfrm>
+      </p:grpSpPr>
+      <p:sp>
+        <p:nvSpPr>
+          <p:cNvPr id="2" name="Titre 1">
+            <a:extLst>
+              <a:ext uri="{FF2B5EF4-FFF2-40B4-BE49-F238E27FC236}">
+                <a16:creationId xmlns:a16="http://schemas.microsoft.com/office/drawing/2014/main" id="{7D37B76C-F939-40C2-BBED-BEFD5A4CFD3C}"/>
+              </a:ext>
+            </a:extLst>
+          </p:cNvPr>
+          <p:cNvSpPr>
+            <a:spLocks noGrp="1"/>
+          </p:cNvSpPr>
+          <p:nvPr>
+            <p:ph type="title"/>
+          </p:nvPr>
+        </p:nvSpPr>
+        <p:spPr/>
+        <p:txBody>
+          <a:bodyPr/>
+          <a:lstStyle/>
+          <a:p>
+            <a:r>
+              <a:rPr lang="fr-FR" dirty="0"/>
+              <a:t>Réalisation technique</a:t>
+            </a:r>
+          </a:p>
+        </p:txBody>
+      </p:sp>
+      <p:sp>
+        <p:nvSpPr>
+          <p:cNvPr id="4" name="Espace réservé du numéro de diapositive 3">
+            <a:extLst>
+              <a:ext uri="{FF2B5EF4-FFF2-40B4-BE49-F238E27FC236}">
+                <a16:creationId xmlns:a16="http://schemas.microsoft.com/office/drawing/2014/main" id="{678E69D0-DB84-4089-9FE3-C2BA4F2E2CFB}"/>
+              </a:ext>
+            </a:extLst>
+          </p:cNvPr>
+          <p:cNvSpPr>
+            <a:spLocks noGrp="1"/>
+          </p:cNvSpPr>
+          <p:nvPr>
+            <p:ph type="sldNum" sz="quarter" idx="12"/>
+          </p:nvPr>
+        </p:nvSpPr>
+        <p:spPr/>
+        <p:txBody>
+          <a:bodyPr/>
+          <a:lstStyle/>
+          <a:p>
+            <a:fld id="{4C2ABFA0-04AC-4694-8AA8-E65B42D4AFEB}" type="slidenum">
+              <a:rPr lang="fr-FR" sz="2000" smtClean="0"/>
+              <a:t>8</a:t>
+            </a:fld>
+            <a:endParaRPr lang="fr-FR" sz="2000" dirty="0"/>
+          </a:p>
+        </p:txBody>
+      </p:sp>
+      <p:pic>
+        <p:nvPicPr>
           <p:cNvPr id="6" name="Image 5">
             <a:extLst>
               <a:ext uri="{FF2B5EF4-FFF2-40B4-BE49-F238E27FC236}">
@@ -6616,7 +6793,7 @@
         <p:spPr>
           <a:xfrm>
             <a:off x="2306496" y="5324881"/>
-            <a:ext cx="1619301" cy="646331"/>
+            <a:ext cx="1424995" cy="646331"/>
           </a:xfrm>
           <a:prstGeom prst="rect">
             <a:avLst/>
@@ -6631,7 +6808,7 @@
           <a:p>
             <a:r>
               <a:rPr lang="fr-FR" dirty="0"/>
-              <a:t>Envoie d’email</a:t>
+              <a:t>Envoi d’email</a:t>
             </a:r>
           </a:p>
           <a:p>
@@ -6643,158 +6820,6 @@
     <p:extLst>
       <p:ext uri="{BB962C8B-B14F-4D97-AF65-F5344CB8AC3E}">
         <p14:creationId xmlns:p14="http://schemas.microsoft.com/office/powerpoint/2010/main" val="3287290764"/>
-      </p:ext>
-    </p:extLst>
-  </p:cSld>
-  <p:clrMapOvr>
-    <a:masterClrMapping/>
-  </p:clrMapOvr>
-</p:sld>
-</file>
-
-<file path=ppt/slides/slide8.xml><?xml version="1.0" encoding="utf-8"?>
-<p:sld xmlns:a="http://schemas.openxmlformats.org/drawingml/2006/main" xmlns:r="http://schemas.openxmlformats.org/officeDocument/2006/relationships" xmlns:p="http://schemas.openxmlformats.org/presentationml/2006/main">
-  <p:cSld>
-    <p:spTree>
-      <p:nvGrpSpPr>
-        <p:cNvPr id="1" name=""/>
-        <p:cNvGrpSpPr/>
-        <p:nvPr/>
-      </p:nvGrpSpPr>
-      <p:grpSpPr>
-        <a:xfrm>
-          <a:off x="0" y="0"/>
-          <a:ext cx="0" cy="0"/>
-          <a:chOff x="0" y="0"/>
-          <a:chExt cx="0" cy="0"/>
-        </a:xfrm>
-      </p:grpSpPr>
-      <p:sp>
-        <p:nvSpPr>
-          <p:cNvPr id="2" name="Titre 1">
-            <a:extLst>
-              <a:ext uri="{FF2B5EF4-FFF2-40B4-BE49-F238E27FC236}">
-                <a16:creationId xmlns:a16="http://schemas.microsoft.com/office/drawing/2014/main" id="{7D37B76C-F939-40C2-BBED-BEFD5A4CFD3C}"/>
-              </a:ext>
-            </a:extLst>
-          </p:cNvPr>
-          <p:cNvSpPr>
-            <a:spLocks noGrp="1"/>
-          </p:cNvSpPr>
-          <p:nvPr>
-            <p:ph type="title"/>
-          </p:nvPr>
-        </p:nvSpPr>
-        <p:spPr/>
-        <p:txBody>
-          <a:bodyPr/>
-          <a:lstStyle/>
-          <a:p>
-            <a:r>
-              <a:rPr lang="fr-FR" dirty="0"/>
-              <a:t>Réalisation technique</a:t>
-            </a:r>
-          </a:p>
-        </p:txBody>
-      </p:sp>
-      <p:sp>
-        <p:nvSpPr>
-          <p:cNvPr id="4" name="Espace réservé du numéro de diapositive 3">
-            <a:extLst>
-              <a:ext uri="{FF2B5EF4-FFF2-40B4-BE49-F238E27FC236}">
-                <a16:creationId xmlns:a16="http://schemas.microsoft.com/office/drawing/2014/main" id="{678E69D0-DB84-4089-9FE3-C2BA4F2E2CFB}"/>
-              </a:ext>
-            </a:extLst>
-          </p:cNvPr>
-          <p:cNvSpPr>
-            <a:spLocks noGrp="1"/>
-          </p:cNvSpPr>
-          <p:nvPr>
-            <p:ph type="sldNum" sz="quarter" idx="12"/>
-          </p:nvPr>
-        </p:nvSpPr>
-        <p:spPr/>
-        <p:txBody>
-          <a:bodyPr/>
-          <a:lstStyle/>
-          <a:p>
-            <a:fld id="{4C2ABFA0-04AC-4694-8AA8-E65B42D4AFEB}" type="slidenum">
-              <a:rPr lang="fr-FR" sz="2000" smtClean="0"/>
-              <a:t>8</a:t>
-            </a:fld>
-            <a:endParaRPr lang="fr-FR" sz="2000" dirty="0"/>
-          </a:p>
-        </p:txBody>
-      </p:sp>
-      <p:pic>
-        <p:nvPicPr>
-          <p:cNvPr id="5" name="Image 4">
-            <a:extLst>
-              <a:ext uri="{FF2B5EF4-FFF2-40B4-BE49-F238E27FC236}">
-                <a16:creationId xmlns:a16="http://schemas.microsoft.com/office/drawing/2014/main" id="{A42BFBA6-4CDA-4DC9-9077-2944A83350FC}"/>
-              </a:ext>
-            </a:extLst>
-          </p:cNvPr>
-          <p:cNvPicPr>
-            <a:picLocks noChangeAspect="1"/>
-          </p:cNvPicPr>
-          <p:nvPr/>
-        </p:nvPicPr>
-        <p:blipFill>
-          <a:blip r:embed="rId2"/>
-          <a:stretch>
-            <a:fillRect/>
-          </a:stretch>
-        </p:blipFill>
-        <p:spPr>
-          <a:xfrm>
-            <a:off x="2260900" y="2062373"/>
-            <a:ext cx="7670200" cy="3775177"/>
-          </a:xfrm>
-          <a:prstGeom prst="rect">
-            <a:avLst/>
-          </a:prstGeom>
-        </p:spPr>
-      </p:pic>
-      <p:sp>
-        <p:nvSpPr>
-          <p:cNvPr id="8" name="ZoneTexte 7">
-            <a:extLst>
-              <a:ext uri="{FF2B5EF4-FFF2-40B4-BE49-F238E27FC236}">
-                <a16:creationId xmlns:a16="http://schemas.microsoft.com/office/drawing/2014/main" id="{E2D6AFDC-ECA2-4085-9F02-19CCFE56C30B}"/>
-              </a:ext>
-            </a:extLst>
-          </p:cNvPr>
-          <p:cNvSpPr txBox="1"/>
-          <p:nvPr/>
-        </p:nvSpPr>
-        <p:spPr>
-          <a:xfrm>
-            <a:off x="4761345" y="5903452"/>
-            <a:ext cx="2669309" cy="369332"/>
-          </a:xfrm>
-          <a:prstGeom prst="rect">
-            <a:avLst/>
-          </a:prstGeom>
-          <a:noFill/>
-        </p:spPr>
-        <p:txBody>
-          <a:bodyPr wrap="square" rtlCol="0">
-            <a:spAutoFit/>
-          </a:bodyPr>
-          <a:lstStyle/>
-          <a:p>
-            <a:r>
-              <a:rPr lang="fr-FR" dirty="0"/>
-              <a:t>Page Manuel d’utilisation</a:t>
-            </a:r>
-          </a:p>
-        </p:txBody>
-      </p:sp>
-    </p:spTree>
-    <p:extLst>
-      <p:ext uri="{BB962C8B-B14F-4D97-AF65-F5344CB8AC3E}">
-        <p14:creationId xmlns:p14="http://schemas.microsoft.com/office/powerpoint/2010/main" val="1334748581"/>
       </p:ext>
     </p:extLst>
   </p:cSld>
@@ -6844,7 +6869,7 @@
           <a:p>
             <a:r>
               <a:rPr lang="fr-FR" dirty="0"/>
-              <a:t>Difficultés rencontrés  </a:t>
+              <a:t>Difficultés rencontrées  </a:t>
             </a:r>
           </a:p>
         </p:txBody>
@@ -6882,7 +6907,7 @@
             </a:pPr>
             <a:r>
               <a:rPr lang="fr-FR" b="1" dirty="0"/>
-              <a:t>Plus grande difficulté :</a:t>
+              <a:t>Plus grandes difficultés :</a:t>
             </a:r>
           </a:p>
           <a:p>
@@ -6891,7 +6916,7 @@
             </a:pPr>
             <a:r>
               <a:rPr lang="fr-FR" dirty="0"/>
-              <a:t> Le manque de connaissance</a:t>
+              <a:t> Le manque de connaissance du mode de programmation</a:t>
             </a:r>
           </a:p>
           <a:p>
@@ -6900,7 +6925,7 @@
             </a:pPr>
             <a:r>
               <a:rPr lang="fr-FR" dirty="0"/>
-              <a:t>Amélioration de la base de données compliqués</a:t>
+              <a:t>Amélioration de la base de données compliqué</a:t>
             </a:r>
           </a:p>
           <a:p>
@@ -6909,7 +6934,7 @@
             </a:pPr>
             <a:r>
               <a:rPr lang="fr-FR" dirty="0"/>
-              <a:t>Tri des réponses non implémenté</a:t>
+              <a:t>Tri des réponses ordre décroissant non implémenté</a:t>
             </a:r>
           </a:p>
         </p:txBody>
